--- a/Group 5 EDA.pptx
+++ b/Group 5 EDA.pptx
@@ -3744,11 +3744,11 @@
     <dgm:cxn modelId="{A1EF9928-6A17-48EE-8EAB-1355F1109217}" srcId="{747C05CB-4970-4DAD-AE36-B56A8582B641}" destId="{697C6359-54B3-4E88-81FE-D604D1789D86}" srcOrd="0" destOrd="0" parTransId="{9AFB38E3-6501-4CCC-8F29-63EB83E99924}" sibTransId="{2870DC25-E20C-4483-A812-C3E4645061B8}"/>
     <dgm:cxn modelId="{DB6D5231-26E9-49F5-9BA2-BB67847B70CF}" srcId="{135AC90F-F1A7-4EA1-9123-9B4D4F8AF46F}" destId="{F7F1A3C5-FB92-4B83-8A0D-D8123FA2DEDF}" srcOrd="0" destOrd="0" parTransId="{CF3D52C3-83DA-4E6A-A186-46901845E870}" sibTransId="{21AD1072-EBB0-4E13-8B5B-4907C8126331}"/>
     <dgm:cxn modelId="{AB3C913C-7005-44EB-AE7B-AC1033C26917}" type="presOf" srcId="{697C6359-54B3-4E88-81FE-D604D1789D86}" destId="{E443AB3E-DA23-4340-92DC-3434142048AB}" srcOrd="0" destOrd="0" presId="urn:microsoft.com/office/officeart/2005/8/layout/hList1"/>
-    <dgm:cxn modelId="{20E82A5F-1B48-4F99-8647-F27722547DD6}" type="presOf" srcId="{F7F1A3C5-FB92-4B83-8A0D-D8123FA2DEDF}" destId="{E5228635-72F3-42D9-BB50-E70DAADBCF85}" srcOrd="0" destOrd="0" presId="urn:microsoft.com/office/officeart/2005/8/layout/hList1"/>
     <dgm:cxn modelId="{DA795043-546C-42EF-8FF8-DF81EB7B63BC}" srcId="{135AC90F-F1A7-4EA1-9123-9B4D4F8AF46F}" destId="{44CB7F3D-708D-4C5B-9BC5-09BC96123E21}" srcOrd="6" destOrd="0" parTransId="{D4CFFAAE-652E-4F00-A1AB-0EA94756A32B}" sibTransId="{07BC2895-CC3F-47ED-A975-B45B188F17A4}"/>
     <dgm:cxn modelId="{104A7F46-B7B7-4753-B3F8-40A1CEEECD8F}" type="presOf" srcId="{036B1306-BB60-4250-95E9-A52879DD898A}" destId="{E5228635-72F3-42D9-BB50-E70DAADBCF85}" srcOrd="0" destOrd="7" presId="urn:microsoft.com/office/officeart/2005/8/layout/hList1"/>
+    <dgm:cxn modelId="{0F3CB350-2608-4863-8B19-D09C783E6F38}" type="presOf" srcId="{E37E34C2-2C88-455F-8D83-D09FEDF62CC8}" destId="{E5228635-72F3-42D9-BB50-E70DAADBCF85}" srcOrd="0" destOrd="1" presId="urn:microsoft.com/office/officeart/2005/8/layout/hList1"/>
+    <dgm:cxn modelId="{20E82A5F-1B48-4F99-8647-F27722547DD6}" type="presOf" srcId="{F7F1A3C5-FB92-4B83-8A0D-D8123FA2DEDF}" destId="{E5228635-72F3-42D9-BB50-E70DAADBCF85}" srcOrd="0" destOrd="0" presId="urn:microsoft.com/office/officeart/2005/8/layout/hList1"/>
     <dgm:cxn modelId="{D31BD96C-92C7-43B9-8BE1-A43692E8E0FA}" type="presOf" srcId="{CB031B6A-AB64-40A7-8A4A-3F9E443D60D5}" destId="{E5228635-72F3-42D9-BB50-E70DAADBCF85}" srcOrd="0" destOrd="2" presId="urn:microsoft.com/office/officeart/2005/8/layout/hList1"/>
-    <dgm:cxn modelId="{0F3CB350-2608-4863-8B19-D09C783E6F38}" type="presOf" srcId="{E37E34C2-2C88-455F-8D83-D09FEDF62CC8}" destId="{E5228635-72F3-42D9-BB50-E70DAADBCF85}" srcOrd="0" destOrd="1" presId="urn:microsoft.com/office/officeart/2005/8/layout/hList1"/>
     <dgm:cxn modelId="{A2118C74-CB47-4103-B780-2301C4BDD530}" srcId="{86674893-1620-4353-814E-0678B46139B1}" destId="{135AC90F-F1A7-4EA1-9123-9B4D4F8AF46F}" srcOrd="0" destOrd="0" parTransId="{4BF98D36-1E5A-4EC5-8E0B-93F754045F85}" sibTransId="{791A189F-9B67-46CF-B681-9BF00401E6AD}"/>
     <dgm:cxn modelId="{AA45AF7F-1E4C-465E-B101-BA34D7F373CE}" srcId="{747C05CB-4970-4DAD-AE36-B56A8582B641}" destId="{92BBB249-F5B3-43C0-871B-789FA8732956}" srcOrd="1" destOrd="0" parTransId="{127BE090-F786-41C1-9DE6-40CE862FA722}" sibTransId="{D426C4DF-B4E2-44FD-9465-C0D2DBC0DF10}"/>
     <dgm:cxn modelId="{7DB8CA80-3819-404A-BDF6-BB4C043ECDFD}" type="presOf" srcId="{1D04FB26-A2ED-4F74-AAEE-E2F1F6F59B21}" destId="{E443AB3E-DA23-4340-92DC-3434142048AB}" srcOrd="0" destOrd="2" presId="urn:microsoft.com/office/officeart/2005/8/layout/hList1"/>
@@ -9924,7 +9924,7 @@
           <a:p>
             <a:fld id="{1C8322F6-1C60-46CF-968C-BC20E470F443}" type="datetimeFigureOut">
               <a:rPr lang="en-US" smtClean="0"/>
-              <a:t>10/18/2024</a:t>
+              <a:t>10/18/24</a:t>
             </a:fld>
             <a:endParaRPr lang="en-US"/>
           </a:p>
@@ -10256,7 +10256,7 @@
           <a:p>
             <a:fld id="{1C8322F6-1C60-46CF-968C-BC20E470F443}" type="datetimeFigureOut">
               <a:rPr lang="en-US" smtClean="0"/>
-              <a:t>10/18/2024</a:t>
+              <a:t>10/18/24</a:t>
             </a:fld>
             <a:endParaRPr lang="en-US"/>
           </a:p>
@@ -10507,7 +10507,7 @@
           <a:p>
             <a:fld id="{1C8322F6-1C60-46CF-968C-BC20E470F443}" type="datetimeFigureOut">
               <a:rPr lang="en-US" smtClean="0"/>
-              <a:t>10/18/2024</a:t>
+              <a:t>10/18/24</a:t>
             </a:fld>
             <a:endParaRPr lang="en-US"/>
           </a:p>
@@ -10839,7 +10839,7 @@
           <a:p>
             <a:fld id="{1C8322F6-1C60-46CF-968C-BC20E470F443}" type="datetimeFigureOut">
               <a:rPr lang="en-US" smtClean="0"/>
-              <a:t>10/18/2024</a:t>
+              <a:t>10/18/24</a:t>
             </a:fld>
             <a:endParaRPr lang="en-US"/>
           </a:p>
@@ -11119,7 +11119,7 @@
           <a:p>
             <a:fld id="{1C8322F6-1C60-46CF-968C-BC20E470F443}" type="datetimeFigureOut">
               <a:rPr lang="en-US" smtClean="0"/>
-              <a:t>10/18/2024</a:t>
+              <a:t>10/18/24</a:t>
             </a:fld>
             <a:endParaRPr lang="en-US"/>
           </a:p>
@@ -11518,7 +11518,7 @@
           <a:p>
             <a:fld id="{1C8322F6-1C60-46CF-968C-BC20E470F443}" type="datetimeFigureOut">
               <a:rPr lang="en-US" smtClean="0"/>
-              <a:t>10/18/2024</a:t>
+              <a:t>10/18/24</a:t>
             </a:fld>
             <a:endParaRPr lang="en-US"/>
           </a:p>
@@ -11977,7 +11977,7 @@
           <a:p>
             <a:fld id="{1C8322F6-1C60-46CF-968C-BC20E470F443}" type="datetimeFigureOut">
               <a:rPr lang="en-US" smtClean="0"/>
-              <a:t>10/18/2024</a:t>
+              <a:t>10/18/24</a:t>
             </a:fld>
             <a:endParaRPr lang="en-US"/>
           </a:p>
@@ -12209,7 +12209,7 @@
           <a:p>
             <a:fld id="{1C8322F6-1C60-46CF-968C-BC20E470F443}" type="datetimeFigureOut">
               <a:rPr lang="en-US" smtClean="0"/>
-              <a:t>10/18/2024</a:t>
+              <a:t>10/18/24</a:t>
             </a:fld>
             <a:endParaRPr lang="en-US"/>
           </a:p>
@@ -12408,7 +12408,7 @@
           <a:p>
             <a:fld id="{1C8322F6-1C60-46CF-968C-BC20E470F443}" type="datetimeFigureOut">
               <a:rPr lang="en-US" smtClean="0"/>
-              <a:t>10/18/2024</a:t>
+              <a:t>10/18/24</a:t>
             </a:fld>
             <a:endParaRPr lang="en-US"/>
           </a:p>
@@ -12719,7 +12719,7 @@
           <a:p>
             <a:fld id="{1C8322F6-1C60-46CF-968C-BC20E470F443}" type="datetimeFigureOut">
               <a:rPr lang="en-US" smtClean="0"/>
-              <a:t>10/18/2024</a:t>
+              <a:t>10/18/24</a:t>
             </a:fld>
             <a:endParaRPr lang="en-US"/>
           </a:p>
@@ -13182,7 +13182,7 @@
           <a:p>
             <a:fld id="{1C8322F6-1C60-46CF-968C-BC20E470F443}" type="datetimeFigureOut">
               <a:rPr lang="en-US" smtClean="0"/>
-              <a:t>10/18/2024</a:t>
+              <a:t>10/18/24</a:t>
             </a:fld>
             <a:endParaRPr lang="en-US"/>
           </a:p>
@@ -13593,7 +13593,7 @@
           <a:p>
             <a:fld id="{1C8322F6-1C60-46CF-968C-BC20E470F443}" type="datetimeFigureOut">
               <a:rPr lang="en-US" smtClean="0"/>
-              <a:t>10/18/2024</a:t>
+              <a:t>10/18/24</a:t>
             </a:fld>
             <a:endParaRPr lang="en-US"/>
           </a:p>
@@ -14519,7 +14519,7 @@
 </file>
 
 <file path=ppt/slides/slide10.xml><?xml version="1.0" encoding="utf-8"?>
-<p:sld xmlns:a="http://schemas.openxmlformats.org/drawingml/2006/main" xmlns:r="http://schemas.openxmlformats.org/officeDocument/2006/relationships" xmlns:p="http://schemas.openxmlformats.org/presentationml/2006/main" show="0">
+<p:sld xmlns:a="http://schemas.openxmlformats.org/drawingml/2006/main" xmlns:r="http://schemas.openxmlformats.org/officeDocument/2006/relationships" xmlns:p="http://schemas.openxmlformats.org/presentationml/2006/main">
   <p:cSld>
     <p:bg>
       <p:bgPr>
@@ -14800,10 +14800,10 @@
       </p:cxnSp>
       <p:pic>
         <p:nvPicPr>
-          <p:cNvPr id="5" name="Picture 4">
+          <p:cNvPr id="6" name="Picture 5">
             <a:extLst>
               <a:ext uri="{FF2B5EF4-FFF2-40B4-BE49-F238E27FC236}">
-                <a16:creationId xmlns:a16="http://schemas.microsoft.com/office/drawing/2014/main" id="{1B16CEEA-9B90-7742-38C9-F29BFE9A4C99}"/>
+                <a16:creationId xmlns:a16="http://schemas.microsoft.com/office/drawing/2014/main" id="{F5C0A73C-D74C-834E-935B-587AF7B2B2E4}"/>
               </a:ext>
             </a:extLst>
           </p:cNvPr>
@@ -14820,38 +14820,8 @@
         </p:blipFill>
         <p:spPr>
           <a:xfrm>
-            <a:off x="3554802" y="1277788"/>
-            <a:ext cx="2546168" cy="4114800"/>
-          </a:xfrm>
-          <a:prstGeom prst="rect">
-            <a:avLst/>
-          </a:prstGeom>
-        </p:spPr>
-      </p:pic>
-      <p:pic>
-        <p:nvPicPr>
-          <p:cNvPr id="6" name="Picture 5">
-            <a:extLst>
-              <a:ext uri="{FF2B5EF4-FFF2-40B4-BE49-F238E27FC236}">
-                <a16:creationId xmlns:a16="http://schemas.microsoft.com/office/drawing/2014/main" id="{F5C0A73C-D74C-834E-935B-587AF7B2B2E4}"/>
-              </a:ext>
-            </a:extLst>
-          </p:cNvPr>
-          <p:cNvPicPr>
-            <a:picLocks noChangeAspect="1"/>
-          </p:cNvPicPr>
-          <p:nvPr/>
-        </p:nvPicPr>
-        <p:blipFill>
-          <a:blip r:embed="rId3"/>
-          <a:stretch>
-            <a:fillRect/>
-          </a:stretch>
-        </p:blipFill>
-        <p:spPr>
-          <a:xfrm>
-            <a:off x="6666601" y="1369443"/>
-            <a:ext cx="2668962" cy="4114800"/>
+            <a:off x="4688479" y="148364"/>
+            <a:ext cx="4811848" cy="6381800"/>
           </a:xfrm>
           <a:prstGeom prst="rect">
             <a:avLst/>
